--- a/산학분반1팀_블랙 메사.pptx
+++ b/산학분반1팀_블랙 메사.pptx
@@ -5,7 +5,7 @@
     <p:sldMasterId id="2147483648" r:id="rId1"/>
   </p:sldMasterIdLst>
   <p:notesMasterIdLst>
-    <p:notesMasterId r:id="rId11"/>
+    <p:notesMasterId r:id="rId12"/>
   </p:notesMasterIdLst>
   <p:sldIdLst>
     <p:sldId id="256" r:id="rId2"/>
@@ -13,10 +13,11 @@
     <p:sldId id="260" r:id="rId4"/>
     <p:sldId id="262" r:id="rId5"/>
     <p:sldId id="267" r:id="rId6"/>
-    <p:sldId id="263" r:id="rId7"/>
-    <p:sldId id="264" r:id="rId8"/>
-    <p:sldId id="266" r:id="rId9"/>
-    <p:sldId id="265" r:id="rId10"/>
+    <p:sldId id="268" r:id="rId7"/>
+    <p:sldId id="263" r:id="rId8"/>
+    <p:sldId id="264" r:id="rId9"/>
+    <p:sldId id="266" r:id="rId10"/>
+    <p:sldId id="265" r:id="rId11"/>
   </p:sldIdLst>
   <p:sldSz cx="18288000" cy="10287000"/>
   <p:notesSz cx="10287000" cy="18288000"/>
@@ -3879,6 +3880,96 @@
 </p:sld>
 </file>
 
+<file path=ppt/slides/slide10.xml><?xml version="1.0" encoding="utf-8"?>
+<p:sld xmlns:a="http://schemas.openxmlformats.org/drawingml/2006/main" xmlns:r="http://schemas.openxmlformats.org/officeDocument/2006/relationships" xmlns:p="http://schemas.openxmlformats.org/presentationml/2006/main">
+  <p:cSld>
+    <p:spTree>
+      <p:nvGrpSpPr>
+        <p:cNvPr id="1" name=""/>
+        <p:cNvGrpSpPr/>
+        <p:nvPr/>
+      </p:nvGrpSpPr>
+      <p:grpSpPr>
+        <a:xfrm>
+          <a:off x="0" y="0"/>
+          <a:ext cx="0" cy="0"/>
+          <a:chOff x="0" y="0"/>
+          <a:chExt cx="0" cy="0"/>
+        </a:xfrm>
+      </p:grpSpPr>
+      <p:sp>
+        <p:nvSpPr>
+          <p:cNvPr id="2" name="제목 1">
+            <a:extLst>
+              <a:ext uri="{FF2B5EF4-FFF2-40B4-BE49-F238E27FC236}">
+                <a16:creationId xmlns:a16="http://schemas.microsoft.com/office/drawing/2014/main" id="{1D2DE4D6-9CD4-458C-A989-A47BF6EE2681}"/>
+              </a:ext>
+            </a:extLst>
+          </p:cNvPr>
+          <p:cNvSpPr>
+            <a:spLocks noGrp="1"/>
+          </p:cNvSpPr>
+          <p:nvPr>
+            <p:ph type="ctrTitle"/>
+          </p:nvPr>
+        </p:nvSpPr>
+        <p:spPr>
+          <a:xfrm>
+            <a:off x="1143000" y="3408362"/>
+            <a:ext cx="16002000" cy="3470275"/>
+          </a:xfrm>
+        </p:spPr>
+        <p:txBody>
+          <a:bodyPr>
+            <a:noAutofit/>
+          </a:bodyPr>
+          <a:lstStyle/>
+          <a:p>
+            <a:r>
+              <a:rPr lang="ko-KR" altLang="en-US" sz="12000" b="1" dirty="0" err="1">
+                <a:latin typeface="KoPubWorld돋움체 Bold" panose="00000800000000000000" pitchFamily="2" charset="-127"/>
+                <a:ea typeface="KoPubWorld돋움체 Bold" panose="00000800000000000000" pitchFamily="2" charset="-127"/>
+                <a:cs typeface="KoPubWorld돋움체 Bold" panose="00000800000000000000" pitchFamily="2" charset="-127"/>
+              </a:rPr>
+              <a:t>들어주셔서</a:t>
+            </a:r>
+            <a:r>
+              <a:rPr lang="ko-KR" altLang="en-US" sz="12000" b="1" dirty="0">
+                <a:latin typeface="KoPubWorld돋움체 Bold" panose="00000800000000000000" pitchFamily="2" charset="-127"/>
+                <a:ea typeface="KoPubWorld돋움체 Bold" panose="00000800000000000000" pitchFamily="2" charset="-127"/>
+                <a:cs typeface="KoPubWorld돋움체 Bold" panose="00000800000000000000" pitchFamily="2" charset="-127"/>
+              </a:rPr>
+              <a:t> 감사합니다</a:t>
+            </a:r>
+            <a:r>
+              <a:rPr lang="en-US" altLang="ko-KR" sz="12000" b="1" dirty="0">
+                <a:latin typeface="KoPubWorld돋움체 Bold" panose="00000800000000000000" pitchFamily="2" charset="-127"/>
+                <a:ea typeface="KoPubWorld돋움체 Bold" panose="00000800000000000000" pitchFamily="2" charset="-127"/>
+                <a:cs typeface="KoPubWorld돋움체 Bold" panose="00000800000000000000" pitchFamily="2" charset="-127"/>
+              </a:rPr>
+              <a:t>.</a:t>
+            </a:r>
+            <a:endParaRPr lang="ko-KR" altLang="en-US" sz="12000" b="1" dirty="0">
+              <a:latin typeface="KoPubWorld돋움체 Bold" panose="00000800000000000000" pitchFamily="2" charset="-127"/>
+              <a:ea typeface="KoPubWorld돋움체 Bold" panose="00000800000000000000" pitchFamily="2" charset="-127"/>
+              <a:cs typeface="KoPubWorld돋움체 Bold" panose="00000800000000000000" pitchFamily="2" charset="-127"/>
+            </a:endParaRPr>
+          </a:p>
+        </p:txBody>
+      </p:sp>
+    </p:spTree>
+    <p:extLst>
+      <p:ext uri="{BB962C8B-B14F-4D97-AF65-F5344CB8AC3E}">
+        <p14:creationId xmlns:p14="http://schemas.microsoft.com/office/powerpoint/2010/main" val="310330307"/>
+      </p:ext>
+    </p:extLst>
+  </p:cSld>
+  <p:clrMapOvr>
+    <a:masterClrMapping/>
+  </p:clrMapOvr>
+</p:sld>
+</file>
+
 <file path=ppt/slides/slide2.xml><?xml version="1.0" encoding="utf-8"?>
 <p:sld xmlns:a="http://schemas.openxmlformats.org/drawingml/2006/main" xmlns:r="http://schemas.openxmlformats.org/officeDocument/2006/relationships" xmlns:p="http://schemas.openxmlformats.org/presentationml/2006/main">
   <p:cSld>
@@ -5215,52 +5306,12 @@
           <a:lstStyle/>
           <a:p>
             <a:r>
-              <a:rPr lang="ko-KR" altLang="en-US" sz="4500" b="1" dirty="0" err="1">
-                <a:latin typeface="KoPubWorld돋움체 Bold" panose="00000800000000000000" pitchFamily="2" charset="-127"/>
-                <a:ea typeface="KoPubWorld돋움체 Bold" panose="00000800000000000000" pitchFamily="2" charset="-127"/>
-                <a:cs typeface="KoPubWorld돋움체 Bold" panose="00000800000000000000" pitchFamily="2" charset="-127"/>
-              </a:rPr>
-              <a:t>소지금</a:t>
-            </a:r>
-            <a:r>
               <a:rPr lang="ko-KR" altLang="en-US" sz="4500" b="1" dirty="0">
                 <a:latin typeface="KoPubWorld돋움체 Bold" panose="00000800000000000000" pitchFamily="2" charset="-127"/>
                 <a:ea typeface="KoPubWorld돋움체 Bold" panose="00000800000000000000" pitchFamily="2" charset="-127"/>
                 <a:cs typeface="KoPubWorld돋움체 Bold" panose="00000800000000000000" pitchFamily="2" charset="-127"/>
               </a:rPr>
-              <a:t> </a:t>
-            </a:r>
-            <a:r>
-              <a:rPr lang="en-US" altLang="ko-KR" sz="4500" b="1" dirty="0">
-                <a:latin typeface="KoPubWorld돋움체 Bold" panose="00000800000000000000" pitchFamily="2" charset="-127"/>
-                <a:ea typeface="KoPubWorld돋움체 Bold" panose="00000800000000000000" pitchFamily="2" charset="-127"/>
-                <a:cs typeface="KoPubWorld돋움체 Bold" panose="00000800000000000000" pitchFamily="2" charset="-127"/>
-              </a:rPr>
-              <a:t>: </a:t>
-            </a:r>
-            <a:r>
-              <a:rPr lang="ko-KR" altLang="en-US" sz="4500" b="1" dirty="0">
-                <a:latin typeface="KoPubWorld돋움체 Bold" panose="00000800000000000000" pitchFamily="2" charset="-127"/>
-                <a:ea typeface="KoPubWorld돋움체 Bold" panose="00000800000000000000" pitchFamily="2" charset="-127"/>
-                <a:cs typeface="KoPubWorld돋움체 Bold" panose="00000800000000000000" pitchFamily="2" charset="-127"/>
-              </a:rPr>
-              <a:t>일 </a:t>
-            </a:r>
-            <a:r>
-              <a:rPr lang="en-US" altLang="ko-KR" sz="4500" b="1" dirty="0">
-                <a:latin typeface="KoPubWorld돋움체 Bold" panose="00000800000000000000" pitchFamily="2" charset="-127"/>
-                <a:ea typeface="KoPubWorld돋움체 Bold" panose="00000800000000000000" pitchFamily="2" charset="-127"/>
-                <a:cs typeface="KoPubWorld돋움체 Bold" panose="00000800000000000000" pitchFamily="2" charset="-127"/>
-              </a:rPr>
-              <a:t>/ </a:t>
-            </a:r>
-            <a:r>
-              <a:rPr lang="ko-KR" altLang="en-US" sz="4500" b="1" dirty="0">
-                <a:latin typeface="KoPubWorld돋움체 Bold" panose="00000800000000000000" pitchFamily="2" charset="-127"/>
-                <a:ea typeface="KoPubWorld돋움체 Bold" panose="00000800000000000000" pitchFamily="2" charset="-127"/>
-                <a:cs typeface="KoPubWorld돋움체 Bold" panose="00000800000000000000" pitchFamily="2" charset="-127"/>
-              </a:rPr>
-              <a:t>도박장</a:t>
+              <a:t>소지</a:t>
             </a:r>
             <a:endParaRPr lang="en-US" altLang="ko-KR" sz="4500" b="1" dirty="0">
               <a:latin typeface="KoPubWorld돋움체 Bold" panose="00000800000000000000" pitchFamily="2" charset="-127"/>
@@ -5269,40 +5320,6 @@
             </a:endParaRPr>
           </a:p>
           <a:p>
-            <a:r>
-              <a:rPr lang="en-US" altLang="ko-KR" sz="4500" b="1" dirty="0">
-                <a:latin typeface="KoPubWorld돋움체 Bold" panose="00000800000000000000" pitchFamily="2" charset="-127"/>
-                <a:ea typeface="KoPubWorld돋움체 Bold" panose="00000800000000000000" pitchFamily="2" charset="-127"/>
-                <a:cs typeface="KoPubWorld돋움체 Bold" panose="00000800000000000000" pitchFamily="2" charset="-127"/>
-              </a:rPr>
-              <a:t> </a:t>
-            </a:r>
-          </a:p>
-          <a:p>
-            <a:r>
-              <a:rPr lang="ko-KR" altLang="en-US" sz="4500" b="1" dirty="0">
-                <a:latin typeface="KoPubWorld돋움체 Bold" panose="00000800000000000000" pitchFamily="2" charset="-127"/>
-                <a:ea typeface="KoPubWorld돋움체 Bold" panose="00000800000000000000" pitchFamily="2" charset="-127"/>
-                <a:cs typeface="KoPubWorld돋움체 Bold" panose="00000800000000000000" pitchFamily="2" charset="-127"/>
-              </a:rPr>
-              <a:t>학력 </a:t>
-            </a:r>
-            <a:r>
-              <a:rPr lang="en-US" altLang="ko-KR" sz="4500" b="1" dirty="0">
-                <a:latin typeface="KoPubWorld돋움체 Bold" panose="00000800000000000000" pitchFamily="2" charset="-127"/>
-                <a:ea typeface="KoPubWorld돋움체 Bold" panose="00000800000000000000" pitchFamily="2" charset="-127"/>
-                <a:cs typeface="KoPubWorld돋움체 Bold" panose="00000800000000000000" pitchFamily="2" charset="-127"/>
-              </a:rPr>
-              <a:t>: </a:t>
-            </a:r>
-            <a:r>
-              <a:rPr lang="ko-KR" altLang="en-US" sz="4500" b="1" dirty="0">
-                <a:latin typeface="KoPubWorld돋움체 Bold" panose="00000800000000000000" pitchFamily="2" charset="-127"/>
-                <a:ea typeface="KoPubWorld돋움체 Bold" panose="00000800000000000000" pitchFamily="2" charset="-127"/>
-                <a:cs typeface="KoPubWorld돋움체 Bold" panose="00000800000000000000" pitchFamily="2" charset="-127"/>
-              </a:rPr>
-              <a:t>학교</a:t>
-            </a:r>
             <a:endParaRPr lang="en-US" altLang="ko-KR" sz="4500" b="1" dirty="0">
               <a:latin typeface="KoPubWorld돋움체 Bold" panose="00000800000000000000" pitchFamily="2" charset="-127"/>
               <a:ea typeface="KoPubWorld돋움체 Bold" panose="00000800000000000000" pitchFamily="2" charset="-127"/>
@@ -5310,6 +5327,14 @@
             </a:endParaRPr>
           </a:p>
           <a:p>
+            <a:r>
+              <a:rPr lang="ko-KR" altLang="en-US" sz="4500" b="1" dirty="0">
+                <a:latin typeface="KoPubWorld돋움체 Bold" panose="00000800000000000000" pitchFamily="2" charset="-127"/>
+                <a:ea typeface="KoPubWorld돋움체 Bold" panose="00000800000000000000" pitchFamily="2" charset="-127"/>
+                <a:cs typeface="KoPubWorld돋움체 Bold" panose="00000800000000000000" pitchFamily="2" charset="-127"/>
+              </a:rPr>
+              <a:t>학력</a:t>
+            </a:r>
             <a:endParaRPr lang="en-US" altLang="ko-KR" sz="4500" b="1" dirty="0">
               <a:latin typeface="KoPubWorld돋움체 Bold" panose="00000800000000000000" pitchFamily="2" charset="-127"/>
               <a:ea typeface="KoPubWorld돋움체 Bold" panose="00000800000000000000" pitchFamily="2" charset="-127"/>
@@ -5317,30 +5342,6 @@
             </a:endParaRPr>
           </a:p>
           <a:p>
-            <a:r>
-              <a:rPr lang="ko-KR" altLang="en-US" sz="4500" b="1" dirty="0">
-                <a:latin typeface="KoPubWorld돋움체 Bold" panose="00000800000000000000" pitchFamily="2" charset="-127"/>
-                <a:ea typeface="KoPubWorld돋움체 Bold" panose="00000800000000000000" pitchFamily="2" charset="-127"/>
-                <a:cs typeface="KoPubWorld돋움체 Bold" panose="00000800000000000000" pitchFamily="2" charset="-127"/>
-              </a:rPr>
-              <a:t>체력 </a:t>
-            </a:r>
-            <a:r>
-              <a:rPr lang="en-US" altLang="ko-KR" sz="4500" b="1" dirty="0">
-                <a:latin typeface="KoPubWorld돋움체 Bold" panose="00000800000000000000" pitchFamily="2" charset="-127"/>
-                <a:ea typeface="KoPubWorld돋움체 Bold" panose="00000800000000000000" pitchFamily="2" charset="-127"/>
-                <a:cs typeface="KoPubWorld돋움체 Bold" panose="00000800000000000000" pitchFamily="2" charset="-127"/>
-              </a:rPr>
-              <a:t>: </a:t>
-            </a:r>
-            <a:r>
-              <a:rPr lang="ko-KR" altLang="en-US" sz="4500" b="1" dirty="0">
-                <a:latin typeface="KoPubWorld돋움체 Bold" panose="00000800000000000000" pitchFamily="2" charset="-127"/>
-                <a:ea typeface="KoPubWorld돋움체 Bold" panose="00000800000000000000" pitchFamily="2" charset="-127"/>
-                <a:cs typeface="KoPubWorld돋움체 Bold" panose="00000800000000000000" pitchFamily="2" charset="-127"/>
-              </a:rPr>
-              <a:t>운동</a:t>
-            </a:r>
             <a:endParaRPr lang="en-US" altLang="ko-KR" sz="4500" b="1" dirty="0">
               <a:latin typeface="KoPubWorld돋움체 Bold" panose="00000800000000000000" pitchFamily="2" charset="-127"/>
               <a:ea typeface="KoPubWorld돋움체 Bold" panose="00000800000000000000" pitchFamily="2" charset="-127"/>
@@ -5348,6 +5349,14 @@
             </a:endParaRPr>
           </a:p>
           <a:p>
+            <a:r>
+              <a:rPr lang="ko-KR" altLang="en-US" sz="4500" b="1" dirty="0">
+                <a:latin typeface="KoPubWorld돋움체 Bold" panose="00000800000000000000" pitchFamily="2" charset="-127"/>
+                <a:ea typeface="KoPubWorld돋움체 Bold" panose="00000800000000000000" pitchFamily="2" charset="-127"/>
+                <a:cs typeface="KoPubWorld돋움체 Bold" panose="00000800000000000000" pitchFamily="2" charset="-127"/>
+              </a:rPr>
+              <a:t>체력</a:t>
+            </a:r>
             <a:endParaRPr lang="en-US" altLang="ko-KR" sz="4500" b="1" dirty="0">
               <a:latin typeface="KoPubWorld돋움체 Bold" panose="00000800000000000000" pitchFamily="2" charset="-127"/>
               <a:ea typeface="KoPubWorld돋움체 Bold" panose="00000800000000000000" pitchFamily="2" charset="-127"/>
@@ -5355,30 +5364,6 @@
             </a:endParaRPr>
           </a:p>
           <a:p>
-            <a:r>
-              <a:rPr lang="ko-KR" altLang="en-US" sz="4500" b="1" dirty="0">
-                <a:latin typeface="KoPubWorld돋움체 Bold" panose="00000800000000000000" pitchFamily="2" charset="-127"/>
-                <a:ea typeface="KoPubWorld돋움체 Bold" panose="00000800000000000000" pitchFamily="2" charset="-127"/>
-                <a:cs typeface="KoPubWorld돋움체 Bold" panose="00000800000000000000" pitchFamily="2" charset="-127"/>
-              </a:rPr>
-              <a:t>건강 </a:t>
-            </a:r>
-            <a:r>
-              <a:rPr lang="en-US" altLang="ko-KR" sz="4500" b="1" dirty="0">
-                <a:latin typeface="KoPubWorld돋움체 Bold" panose="00000800000000000000" pitchFamily="2" charset="-127"/>
-                <a:ea typeface="KoPubWorld돋움체 Bold" panose="00000800000000000000" pitchFamily="2" charset="-127"/>
-                <a:cs typeface="KoPubWorld돋움체 Bold" panose="00000800000000000000" pitchFamily="2" charset="-127"/>
-              </a:rPr>
-              <a:t>: </a:t>
-            </a:r>
-            <a:r>
-              <a:rPr lang="ko-KR" altLang="en-US" sz="4500" b="1" dirty="0">
-                <a:latin typeface="KoPubWorld돋움체 Bold" panose="00000800000000000000" pitchFamily="2" charset="-127"/>
-                <a:ea typeface="KoPubWorld돋움체 Bold" panose="00000800000000000000" pitchFamily="2" charset="-127"/>
-                <a:cs typeface="KoPubWorld돋움체 Bold" panose="00000800000000000000" pitchFamily="2" charset="-127"/>
-              </a:rPr>
-              <a:t>집</a:t>
-            </a:r>
             <a:endParaRPr lang="en-US" altLang="ko-KR" sz="4500" b="1" dirty="0">
               <a:latin typeface="KoPubWorld돋움체 Bold" panose="00000800000000000000" pitchFamily="2" charset="-127"/>
               <a:ea typeface="KoPubWorld돋움체 Bold" panose="00000800000000000000" pitchFamily="2" charset="-127"/>
@@ -5386,6 +5371,14 @@
             </a:endParaRPr>
           </a:p>
           <a:p>
+            <a:r>
+              <a:rPr lang="ko-KR" altLang="en-US" sz="4500" b="1" dirty="0">
+                <a:latin typeface="KoPubWorld돋움체 Bold" panose="00000800000000000000" pitchFamily="2" charset="-127"/>
+                <a:ea typeface="KoPubWorld돋움체 Bold" panose="00000800000000000000" pitchFamily="2" charset="-127"/>
+                <a:cs typeface="KoPubWorld돋움체 Bold" panose="00000800000000000000" pitchFamily="2" charset="-127"/>
+              </a:rPr>
+              <a:t>건강</a:t>
+            </a:r>
             <a:endParaRPr lang="en-US" altLang="ko-KR" sz="4500" b="1" dirty="0">
               <a:latin typeface="KoPubWorld돋움체 Bold" panose="00000800000000000000" pitchFamily="2" charset="-127"/>
               <a:ea typeface="KoPubWorld돋움체 Bold" panose="00000800000000000000" pitchFamily="2" charset="-127"/>
@@ -5393,30 +5386,6 @@
             </a:endParaRPr>
           </a:p>
           <a:p>
-            <a:r>
-              <a:rPr lang="ko-KR" altLang="en-US" sz="4500" b="1" dirty="0">
-                <a:latin typeface="KoPubWorld돋움체 Bold" panose="00000800000000000000" pitchFamily="2" charset="-127"/>
-                <a:ea typeface="KoPubWorld돋움체 Bold" panose="00000800000000000000" pitchFamily="2" charset="-127"/>
-                <a:cs typeface="KoPubWorld돋움체 Bold" panose="00000800000000000000" pitchFamily="2" charset="-127"/>
-              </a:rPr>
-              <a:t>배고픔 </a:t>
-            </a:r>
-            <a:r>
-              <a:rPr lang="en-US" altLang="ko-KR" sz="4500" b="1" dirty="0">
-                <a:latin typeface="KoPubWorld돋움체 Bold" panose="00000800000000000000" pitchFamily="2" charset="-127"/>
-                <a:ea typeface="KoPubWorld돋움체 Bold" panose="00000800000000000000" pitchFamily="2" charset="-127"/>
-                <a:cs typeface="KoPubWorld돋움체 Bold" panose="00000800000000000000" pitchFamily="2" charset="-127"/>
-              </a:rPr>
-              <a:t>: </a:t>
-            </a:r>
-            <a:r>
-              <a:rPr lang="ko-KR" altLang="en-US" sz="4500" b="1" dirty="0">
-                <a:latin typeface="KoPubWorld돋움체 Bold" panose="00000800000000000000" pitchFamily="2" charset="-127"/>
-                <a:ea typeface="KoPubWorld돋움체 Bold" panose="00000800000000000000" pitchFamily="2" charset="-127"/>
-                <a:cs typeface="KoPubWorld돋움체 Bold" panose="00000800000000000000" pitchFamily="2" charset="-127"/>
-              </a:rPr>
-              <a:t>식당</a:t>
-            </a:r>
             <a:endParaRPr lang="en-US" altLang="ko-KR" sz="4500" b="1" dirty="0">
               <a:latin typeface="KoPubWorld돋움체 Bold" panose="00000800000000000000" pitchFamily="2" charset="-127"/>
               <a:ea typeface="KoPubWorld돋움체 Bold" panose="00000800000000000000" pitchFamily="2" charset="-127"/>
@@ -5424,6 +5393,14 @@
             </a:endParaRPr>
           </a:p>
           <a:p>
+            <a:r>
+              <a:rPr lang="ko-KR" altLang="en-US" sz="4500" b="1" dirty="0">
+                <a:latin typeface="KoPubWorld돋움체 Bold" panose="00000800000000000000" pitchFamily="2" charset="-127"/>
+                <a:ea typeface="KoPubWorld돋움체 Bold" panose="00000800000000000000" pitchFamily="2" charset="-127"/>
+                <a:cs typeface="KoPubWorld돋움체 Bold" panose="00000800000000000000" pitchFamily="2" charset="-127"/>
+              </a:rPr>
+              <a:t>배고픔</a:t>
+            </a:r>
             <a:endParaRPr lang="en-US" altLang="ko-KR" sz="4500" b="1" dirty="0">
               <a:latin typeface="KoPubWorld돋움체 Bold" panose="00000800000000000000" pitchFamily="2" charset="-127"/>
               <a:ea typeface="KoPubWorld돋움체 Bold" panose="00000800000000000000" pitchFamily="2" charset="-127"/>
@@ -5431,29 +5408,20 @@
             </a:endParaRPr>
           </a:p>
           <a:p>
+            <a:endParaRPr lang="en-US" altLang="ko-KR" sz="4500" b="1" dirty="0">
+              <a:latin typeface="KoPubWorld돋움체 Bold" panose="00000800000000000000" pitchFamily="2" charset="-127"/>
+              <a:ea typeface="KoPubWorld돋움체 Bold" panose="00000800000000000000" pitchFamily="2" charset="-127"/>
+              <a:cs typeface="KoPubWorld돋움체 Bold" panose="00000800000000000000" pitchFamily="2" charset="-127"/>
+            </a:endParaRPr>
+          </a:p>
+          <a:p>
             <a:r>
               <a:rPr lang="ko-KR" altLang="en-US" sz="4500" b="1" dirty="0">
                 <a:latin typeface="KoPubWorld돋움체 Bold" panose="00000800000000000000" pitchFamily="2" charset="-127"/>
                 <a:ea typeface="KoPubWorld돋움체 Bold" panose="00000800000000000000" pitchFamily="2" charset="-127"/>
                 <a:cs typeface="KoPubWorld돋움체 Bold" panose="00000800000000000000" pitchFamily="2" charset="-127"/>
               </a:rPr>
-              <a:t>특수 상태 </a:t>
-            </a:r>
-            <a:r>
-              <a:rPr lang="en-US" altLang="ko-KR" sz="4500" b="1" dirty="0">
-                <a:latin typeface="KoPubWorld돋움체 Bold" panose="00000800000000000000" pitchFamily="2" charset="-127"/>
-                <a:ea typeface="KoPubWorld돋움체 Bold" panose="00000800000000000000" pitchFamily="2" charset="-127"/>
-                <a:cs typeface="KoPubWorld돋움체 Bold" panose="00000800000000000000" pitchFamily="2" charset="-127"/>
-              </a:rPr>
-              <a:t> : </a:t>
-            </a:r>
-            <a:r>
-              <a:rPr lang="ko-KR" altLang="en-US" sz="4500" b="1" dirty="0">
-                <a:latin typeface="KoPubWorld돋움체 Bold" panose="00000800000000000000" pitchFamily="2" charset="-127"/>
-                <a:ea typeface="KoPubWorld돋움체 Bold" panose="00000800000000000000" pitchFamily="2" charset="-127"/>
-                <a:cs typeface="KoPubWorld돋움체 Bold" panose="00000800000000000000" pitchFamily="2" charset="-127"/>
-              </a:rPr>
-              <a:t>병원</a:t>
+              <a:t>특수 상태</a:t>
             </a:r>
             <a:endParaRPr lang="en-US" altLang="ko-KR" sz="4500" b="1" dirty="0">
               <a:latin typeface="KoPubWorld돋움체 Bold" panose="00000800000000000000" pitchFamily="2" charset="-127"/>
@@ -5663,10 +5631,10 @@
       </p:grpSpPr>
       <p:sp>
         <p:nvSpPr>
-          <p:cNvPr id="3" name="TextBox 2">
+          <p:cNvPr id="5" name="TextBox 4">
             <a:extLst>
               <a:ext uri="{FF2B5EF4-FFF2-40B4-BE49-F238E27FC236}">
-                <a16:creationId xmlns:a16="http://schemas.microsoft.com/office/drawing/2014/main" id="{C7C7F691-EA8F-4F97-A274-C077167C7A27}"/>
+                <a16:creationId xmlns:a16="http://schemas.microsoft.com/office/drawing/2014/main" id="{4F9A73C3-F54B-4996-BCD2-9C665DA0BE58}"/>
               </a:ext>
             </a:extLst>
           </p:cNvPr>
@@ -5675,8 +5643,8 @@
         </p:nvSpPr>
         <p:spPr>
           <a:xfrm>
-            <a:off x="952500" y="3162300"/>
-            <a:ext cx="16383000" cy="2862322"/>
+            <a:off x="1349828" y="612430"/>
+            <a:ext cx="5943600" cy="9094797"/>
           </a:xfrm>
           <a:prstGeom prst="rect">
             <a:avLst/>
@@ -5695,7 +5663,7 @@
                 <a:ea typeface="KoPubWorld돋움체 Bold" panose="00000800000000000000" pitchFamily="2" charset="-127"/>
                 <a:cs typeface="KoPubWorld돋움체 Bold" panose="00000800000000000000" pitchFamily="2" charset="-127"/>
               </a:rPr>
-              <a:t>도시생활에 지쳐 귀농을 한 주인공은 </a:t>
+              <a:t>일</a:t>
             </a:r>
             <a:endParaRPr lang="en-US" altLang="ko-KR" sz="4500" b="1" dirty="0">
               <a:latin typeface="KoPubWorld돋움체 Bold" panose="00000800000000000000" pitchFamily="2" charset="-127"/>
@@ -5704,79 +5672,145 @@
             </a:endParaRPr>
           </a:p>
           <a:p>
+            <a:endParaRPr lang="en-US" altLang="ko-KR" sz="4500" b="1" dirty="0">
+              <a:latin typeface="KoPubWorld돋움체 Bold" panose="00000800000000000000" pitchFamily="2" charset="-127"/>
+              <a:ea typeface="KoPubWorld돋움체 Bold" panose="00000800000000000000" pitchFamily="2" charset="-127"/>
+              <a:cs typeface="KoPubWorld돋움체 Bold" panose="00000800000000000000" pitchFamily="2" charset="-127"/>
+            </a:endParaRPr>
+          </a:p>
+          <a:p>
             <a:r>
               <a:rPr lang="ko-KR" altLang="en-US" sz="4500" b="1" dirty="0">
                 <a:latin typeface="KoPubWorld돋움체 Bold" panose="00000800000000000000" pitchFamily="2" charset="-127"/>
                 <a:ea typeface="KoPubWorld돋움체 Bold" panose="00000800000000000000" pitchFamily="2" charset="-127"/>
                 <a:cs typeface="KoPubWorld돋움체 Bold" panose="00000800000000000000" pitchFamily="2" charset="-127"/>
               </a:rPr>
-              <a:t>귀농 과정에서 돈을 구하던 중 사채업자들에게서 돈을 빌리게 되다</a:t>
-            </a:r>
-            <a:r>
-              <a:rPr lang="en-US" altLang="ko-KR" sz="4500" b="1" dirty="0">
-                <a:latin typeface="KoPubWorld돋움체 Bold" panose="00000800000000000000" pitchFamily="2" charset="-127"/>
-                <a:ea typeface="KoPubWorld돋움체 Bold" panose="00000800000000000000" pitchFamily="2" charset="-127"/>
-                <a:cs typeface="KoPubWorld돋움체 Bold" panose="00000800000000000000" pitchFamily="2" charset="-127"/>
-              </a:rPr>
-              <a:t>.</a:t>
-            </a:r>
+              <a:t>학교</a:t>
+            </a:r>
+            <a:endParaRPr lang="en-US" altLang="ko-KR" sz="4500" b="1" dirty="0">
+              <a:latin typeface="KoPubWorld돋움체 Bold" panose="00000800000000000000" pitchFamily="2" charset="-127"/>
+              <a:ea typeface="KoPubWorld돋움체 Bold" panose="00000800000000000000" pitchFamily="2" charset="-127"/>
+              <a:cs typeface="KoPubWorld돋움체 Bold" panose="00000800000000000000" pitchFamily="2" charset="-127"/>
+            </a:endParaRPr>
+          </a:p>
+          <a:p>
+            <a:endParaRPr lang="en-US" altLang="ko-KR" sz="4500" b="1" dirty="0">
+              <a:latin typeface="KoPubWorld돋움체 Bold" panose="00000800000000000000" pitchFamily="2" charset="-127"/>
+              <a:ea typeface="KoPubWorld돋움체 Bold" panose="00000800000000000000" pitchFamily="2" charset="-127"/>
+              <a:cs typeface="KoPubWorld돋움체 Bold" panose="00000800000000000000" pitchFamily="2" charset="-127"/>
+            </a:endParaRPr>
+          </a:p>
+          <a:p>
             <a:r>
               <a:rPr lang="ko-KR" altLang="en-US" sz="4500" b="1" dirty="0">
                 <a:latin typeface="KoPubWorld돋움체 Bold" panose="00000800000000000000" pitchFamily="2" charset="-127"/>
                 <a:ea typeface="KoPubWorld돋움체 Bold" panose="00000800000000000000" pitchFamily="2" charset="-127"/>
                 <a:cs typeface="KoPubWorld돋움체 Bold" panose="00000800000000000000" pitchFamily="2" charset="-127"/>
               </a:rPr>
-              <a:t> 기한인 </a:t>
-            </a:r>
-            <a:r>
-              <a:rPr lang="en-US" altLang="ko-KR" sz="4500" b="1" dirty="0">
-                <a:latin typeface="KoPubWorld돋움체 Bold" panose="00000800000000000000" pitchFamily="2" charset="-127"/>
-                <a:ea typeface="KoPubWorld돋움체 Bold" panose="00000800000000000000" pitchFamily="2" charset="-127"/>
-                <a:cs typeface="KoPubWorld돋움체 Bold" panose="00000800000000000000" pitchFamily="2" charset="-127"/>
-              </a:rPr>
-              <a:t>98</a:t>
-            </a:r>
+              <a:t>운동</a:t>
+            </a:r>
+            <a:endParaRPr lang="en-US" altLang="ko-KR" sz="4500" b="1" dirty="0">
+              <a:latin typeface="KoPubWorld돋움체 Bold" panose="00000800000000000000" pitchFamily="2" charset="-127"/>
+              <a:ea typeface="KoPubWorld돋움체 Bold" panose="00000800000000000000" pitchFamily="2" charset="-127"/>
+              <a:cs typeface="KoPubWorld돋움체 Bold" panose="00000800000000000000" pitchFamily="2" charset="-127"/>
+            </a:endParaRPr>
+          </a:p>
+          <a:p>
+            <a:endParaRPr lang="en-US" altLang="ko-KR" sz="4500" b="1" dirty="0">
+              <a:latin typeface="KoPubWorld돋움체 Bold" panose="00000800000000000000" pitchFamily="2" charset="-127"/>
+              <a:ea typeface="KoPubWorld돋움체 Bold" panose="00000800000000000000" pitchFamily="2" charset="-127"/>
+              <a:cs typeface="KoPubWorld돋움체 Bold" panose="00000800000000000000" pitchFamily="2" charset="-127"/>
+            </a:endParaRPr>
+          </a:p>
+          <a:p>
             <a:r>
               <a:rPr lang="ko-KR" altLang="en-US" sz="4500" b="1" dirty="0">
                 <a:latin typeface="KoPubWorld돋움체 Bold" panose="00000800000000000000" pitchFamily="2" charset="-127"/>
                 <a:ea typeface="KoPubWorld돋움체 Bold" panose="00000800000000000000" pitchFamily="2" charset="-127"/>
                 <a:cs typeface="KoPubWorld돋움체 Bold" panose="00000800000000000000" pitchFamily="2" charset="-127"/>
               </a:rPr>
-              <a:t>일 안에 갚지 않으면 몸으로 갚아야 한다는 말을 듣고</a:t>
-            </a:r>
-            <a:r>
-              <a:rPr lang="en-US" altLang="ko-KR" sz="4500" b="1" dirty="0">
-                <a:latin typeface="KoPubWorld돋움체 Bold" panose="00000800000000000000" pitchFamily="2" charset="-127"/>
-                <a:ea typeface="KoPubWorld돋움체 Bold" panose="00000800000000000000" pitchFamily="2" charset="-127"/>
-                <a:cs typeface="KoPubWorld돋움체 Bold" panose="00000800000000000000" pitchFamily="2" charset="-127"/>
-              </a:rPr>
-              <a:t> </a:t>
-            </a:r>
+              <a:t>집</a:t>
+            </a:r>
+            <a:endParaRPr lang="en-US" altLang="ko-KR" sz="4500" b="1" dirty="0">
+              <a:latin typeface="KoPubWorld돋움체 Bold" panose="00000800000000000000" pitchFamily="2" charset="-127"/>
+              <a:ea typeface="KoPubWorld돋움체 Bold" panose="00000800000000000000" pitchFamily="2" charset="-127"/>
+              <a:cs typeface="KoPubWorld돋움체 Bold" panose="00000800000000000000" pitchFamily="2" charset="-127"/>
+            </a:endParaRPr>
+          </a:p>
+          <a:p>
+            <a:endParaRPr lang="en-US" altLang="ko-KR" sz="4500" b="1" dirty="0">
+              <a:latin typeface="KoPubWorld돋움체 Bold" panose="00000800000000000000" pitchFamily="2" charset="-127"/>
+              <a:ea typeface="KoPubWorld돋움체 Bold" panose="00000800000000000000" pitchFamily="2" charset="-127"/>
+              <a:cs typeface="KoPubWorld돋움체 Bold" panose="00000800000000000000" pitchFamily="2" charset="-127"/>
+            </a:endParaRPr>
+          </a:p>
+          <a:p>
             <a:r>
               <a:rPr lang="ko-KR" altLang="en-US" sz="4500" b="1" dirty="0">
                 <a:latin typeface="KoPubWorld돋움체 Bold" panose="00000800000000000000" pitchFamily="2" charset="-127"/>
                 <a:ea typeface="KoPubWorld돋움체 Bold" panose="00000800000000000000" pitchFamily="2" charset="-127"/>
                 <a:cs typeface="KoPubWorld돋움체 Bold" panose="00000800000000000000" pitchFamily="2" charset="-127"/>
               </a:rPr>
-              <a:t>주인공은 돈을 벌기 위해 노력하게 된다</a:t>
-            </a:r>
-            <a:r>
-              <a:rPr lang="en-US" altLang="ko-KR" sz="4500" b="1" dirty="0">
-                <a:latin typeface="KoPubWorld돋움체 Bold" panose="00000800000000000000" pitchFamily="2" charset="-127"/>
-                <a:ea typeface="KoPubWorld돋움체 Bold" panose="00000800000000000000" pitchFamily="2" charset="-127"/>
-                <a:cs typeface="KoPubWorld돋움체 Bold" panose="00000800000000000000" pitchFamily="2" charset="-127"/>
-              </a:rPr>
-              <a:t>.</a:t>
-            </a:r>
-          </a:p>
-        </p:txBody>
-      </p:sp>
-      <p:sp>
-        <p:nvSpPr>
-          <p:cNvPr id="6" name="사각형: 둥근 모서리 5">
+              <a:t>식당</a:t>
+            </a:r>
+            <a:endParaRPr lang="en-US" altLang="ko-KR" sz="4500" b="1" dirty="0">
+              <a:latin typeface="KoPubWorld돋움체 Bold" panose="00000800000000000000" pitchFamily="2" charset="-127"/>
+              <a:ea typeface="KoPubWorld돋움체 Bold" panose="00000800000000000000" pitchFamily="2" charset="-127"/>
+              <a:cs typeface="KoPubWorld돋움체 Bold" panose="00000800000000000000" pitchFamily="2" charset="-127"/>
+            </a:endParaRPr>
+          </a:p>
+          <a:p>
+            <a:endParaRPr lang="en-US" altLang="ko-KR" sz="4500" b="1" dirty="0">
+              <a:latin typeface="KoPubWorld돋움체 Bold" panose="00000800000000000000" pitchFamily="2" charset="-127"/>
+              <a:ea typeface="KoPubWorld돋움체 Bold" panose="00000800000000000000" pitchFamily="2" charset="-127"/>
+              <a:cs typeface="KoPubWorld돋움체 Bold" panose="00000800000000000000" pitchFamily="2" charset="-127"/>
+            </a:endParaRPr>
+          </a:p>
+          <a:p>
+            <a:r>
+              <a:rPr lang="ko-KR" altLang="en-US" sz="4500" b="1" dirty="0">
+                <a:latin typeface="KoPubWorld돋움체 Bold" panose="00000800000000000000" pitchFamily="2" charset="-127"/>
+                <a:ea typeface="KoPubWorld돋움체 Bold" panose="00000800000000000000" pitchFamily="2" charset="-127"/>
+                <a:cs typeface="KoPubWorld돋움체 Bold" panose="00000800000000000000" pitchFamily="2" charset="-127"/>
+              </a:rPr>
+              <a:t>병원</a:t>
+            </a:r>
+            <a:endParaRPr lang="en-US" altLang="ko-KR" sz="4500" b="1" dirty="0">
+              <a:latin typeface="KoPubWorld돋움체 Bold" panose="00000800000000000000" pitchFamily="2" charset="-127"/>
+              <a:ea typeface="KoPubWorld돋움체 Bold" panose="00000800000000000000" pitchFamily="2" charset="-127"/>
+              <a:cs typeface="KoPubWorld돋움체 Bold" panose="00000800000000000000" pitchFamily="2" charset="-127"/>
+            </a:endParaRPr>
+          </a:p>
+          <a:p>
+            <a:endParaRPr lang="en-US" altLang="ko-KR" sz="4500" b="1" dirty="0">
+              <a:latin typeface="KoPubWorld돋움체 Bold" panose="00000800000000000000" pitchFamily="2" charset="-127"/>
+              <a:ea typeface="KoPubWorld돋움체 Bold" panose="00000800000000000000" pitchFamily="2" charset="-127"/>
+              <a:cs typeface="KoPubWorld돋움체 Bold" panose="00000800000000000000" pitchFamily="2" charset="-127"/>
+            </a:endParaRPr>
+          </a:p>
+          <a:p>
+            <a:r>
+              <a:rPr lang="ko-KR" altLang="en-US" sz="4500" b="1" dirty="0">
+                <a:latin typeface="KoPubWorld돋움체 Bold" panose="00000800000000000000" pitchFamily="2" charset="-127"/>
+                <a:ea typeface="KoPubWorld돋움체 Bold" panose="00000800000000000000" pitchFamily="2" charset="-127"/>
+                <a:cs typeface="KoPubWorld돋움체 Bold" panose="00000800000000000000" pitchFamily="2" charset="-127"/>
+              </a:rPr>
+              <a:t>도박장</a:t>
+            </a:r>
+            <a:endParaRPr lang="en-US" altLang="ko-KR" sz="4500" b="1" dirty="0">
+              <a:latin typeface="KoPubWorld돋움체 Bold" panose="00000800000000000000" pitchFamily="2" charset="-127"/>
+              <a:ea typeface="KoPubWorld돋움체 Bold" panose="00000800000000000000" pitchFamily="2" charset="-127"/>
+              <a:cs typeface="KoPubWorld돋움체 Bold" panose="00000800000000000000" pitchFamily="2" charset="-127"/>
+            </a:endParaRPr>
+          </a:p>
+        </p:txBody>
+      </p:sp>
+      <p:sp>
+        <p:nvSpPr>
+          <p:cNvPr id="4" name="사각형: 둥근 모서리 3">
             <a:extLst>
               <a:ext uri="{FF2B5EF4-FFF2-40B4-BE49-F238E27FC236}">
-                <a16:creationId xmlns:a16="http://schemas.microsoft.com/office/drawing/2014/main" id="{7D7A2082-F157-4E56-8983-6DEF02886F4A}"/>
+                <a16:creationId xmlns:a16="http://schemas.microsoft.com/office/drawing/2014/main" id="{AAFA2974-3217-4860-B75A-D5BB1907E130}"/>
               </a:ext>
             </a:extLst>
           </p:cNvPr>
@@ -5830,15 +5864,119 @@
                 <a:ea typeface="KoPubWorld돋움체 Bold" panose="00000800000000000000" pitchFamily="2" charset="-127"/>
                 <a:cs typeface="KoPubWorld돋움체 Bold" panose="00000800000000000000" pitchFamily="2" charset="-127"/>
               </a:rPr>
-              <a:t>배경 이야기</a:t>
-            </a:r>
+              <a:t>게임 시스템 소개 </a:t>
+            </a:r>
+            <a:r>
+              <a:rPr lang="en-US" altLang="ko-KR" sz="2500" dirty="0">
+                <a:solidFill>
+                  <a:schemeClr val="tx1"/>
+                </a:solidFill>
+                <a:latin typeface="KoPubWorld돋움체 Bold" panose="00000800000000000000" pitchFamily="2" charset="-127"/>
+                <a:ea typeface="KoPubWorld돋움체 Bold" panose="00000800000000000000" pitchFamily="2" charset="-127"/>
+                <a:cs typeface="KoPubWorld돋움체 Bold" panose="00000800000000000000" pitchFamily="2" charset="-127"/>
+              </a:rPr>
+              <a:t>[</a:t>
+            </a:r>
+            <a:r>
+              <a:rPr lang="ko-KR" altLang="en-US" sz="2500" dirty="0">
+                <a:solidFill>
+                  <a:schemeClr val="tx1"/>
+                </a:solidFill>
+                <a:latin typeface="KoPubWorld돋움체 Bold" panose="00000800000000000000" pitchFamily="2" charset="-127"/>
+                <a:ea typeface="KoPubWorld돋움체 Bold" panose="00000800000000000000" pitchFamily="2" charset="-127"/>
+                <a:cs typeface="KoPubWorld돋움체 Bold" panose="00000800000000000000" pitchFamily="2" charset="-127"/>
+              </a:rPr>
+              <a:t>능력치</a:t>
+            </a:r>
+            <a:r>
+              <a:rPr lang="en-US" altLang="ko-KR" sz="2500" dirty="0">
+                <a:solidFill>
+                  <a:schemeClr val="tx1"/>
+                </a:solidFill>
+                <a:latin typeface="KoPubWorld돋움체 Bold" panose="00000800000000000000" pitchFamily="2" charset="-127"/>
+                <a:ea typeface="KoPubWorld돋움체 Bold" panose="00000800000000000000" pitchFamily="2" charset="-127"/>
+                <a:cs typeface="KoPubWorld돋움체 Bold" panose="00000800000000000000" pitchFamily="2" charset="-127"/>
+              </a:rPr>
+              <a:t>]</a:t>
+            </a:r>
+            <a:endParaRPr lang="ko-KR" altLang="en-US" sz="2500" dirty="0">
+              <a:solidFill>
+                <a:schemeClr val="tx1"/>
+              </a:solidFill>
+              <a:latin typeface="KoPubWorld돋움체 Bold" panose="00000800000000000000" pitchFamily="2" charset="-127"/>
+              <a:ea typeface="KoPubWorld돋움체 Bold" panose="00000800000000000000" pitchFamily="2" charset="-127"/>
+              <a:cs typeface="KoPubWorld돋움체 Bold" panose="00000800000000000000" pitchFamily="2" charset="-127"/>
+            </a:endParaRPr>
+          </a:p>
+        </p:txBody>
+      </p:sp>
+      <p:sp>
+        <p:nvSpPr>
+          <p:cNvPr id="7" name="직사각형 6">
+            <a:extLst>
+              <a:ext uri="{FF2B5EF4-FFF2-40B4-BE49-F238E27FC236}">
+                <a16:creationId xmlns:a16="http://schemas.microsoft.com/office/drawing/2014/main" id="{A0E2B254-A96D-48C4-9E6F-F6C6CCA68285}"/>
+              </a:ext>
+            </a:extLst>
+          </p:cNvPr>
+          <p:cNvSpPr/>
+          <p:nvPr/>
+        </p:nvSpPr>
+        <p:spPr>
+          <a:xfrm flipH="1" flipV="1">
+            <a:off x="642257" y="854711"/>
+            <a:ext cx="76200" cy="8610236"/>
+          </a:xfrm>
+          <a:prstGeom prst="rect">
+            <a:avLst/>
+          </a:prstGeom>
+          <a:solidFill>
+            <a:srgbClr val="FF0000"/>
+          </a:solidFill>
+          <a:ln>
+            <a:solidFill>
+              <a:srgbClr val="FF0000"/>
+            </a:solidFill>
+          </a:ln>
+        </p:spPr>
+        <p:style>
+          <a:lnRef idx="2">
+            <a:schemeClr val="accent1">
+              <a:shade val="50000"/>
+            </a:schemeClr>
+          </a:lnRef>
+          <a:fillRef idx="1">
+            <a:schemeClr val="accent1"/>
+          </a:fillRef>
+          <a:effectRef idx="0">
+            <a:schemeClr val="accent1"/>
+          </a:effectRef>
+          <a:fontRef idx="minor">
+            <a:schemeClr val="lt1"/>
+          </a:fontRef>
+        </p:style>
+        <p:txBody>
+          <a:bodyPr rtlCol="0" anchor="ctr"/>
+          <a:lstStyle/>
+          <a:p>
+            <a:pPr algn="ctr"/>
+            <a:endParaRPr lang="ko-KR" altLang="en-US">
+              <a:ln>
+                <a:solidFill>
+                  <a:srgbClr val="FF0000"/>
+                </a:solidFill>
+              </a:ln>
+              <a:solidFill>
+                <a:srgbClr val="FF0000"/>
+              </a:solidFill>
+            </a:endParaRPr>
           </a:p>
         </p:txBody>
       </p:sp>
     </p:spTree>
     <p:extLst>
       <p:ext uri="{BB962C8B-B14F-4D97-AF65-F5344CB8AC3E}">
-        <p14:creationId xmlns:p14="http://schemas.microsoft.com/office/powerpoint/2010/main" val="3680029363"/>
+        <p14:creationId xmlns:p14="http://schemas.microsoft.com/office/powerpoint/2010/main" val="123230919"/>
       </p:ext>
     </p:extLst>
   </p:cSld>
@@ -5867,10 +6005,10 @@
       </p:grpSpPr>
       <p:sp>
         <p:nvSpPr>
-          <p:cNvPr id="4" name="TextBox 3">
+          <p:cNvPr id="3" name="TextBox 2">
             <a:extLst>
               <a:ext uri="{FF2B5EF4-FFF2-40B4-BE49-F238E27FC236}">
-                <a16:creationId xmlns:a16="http://schemas.microsoft.com/office/drawing/2014/main" id="{6B3192BF-6D7B-470F-AEDD-B4D3002F2261}"/>
+                <a16:creationId xmlns:a16="http://schemas.microsoft.com/office/drawing/2014/main" id="{C7C7F691-EA8F-4F97-A274-C077167C7A27}"/>
               </a:ext>
             </a:extLst>
           </p:cNvPr>
@@ -5879,8 +6017,8 @@
         </p:nvSpPr>
         <p:spPr>
           <a:xfrm>
-            <a:off x="647700" y="1981096"/>
-            <a:ext cx="16992600" cy="6324808"/>
+            <a:off x="952500" y="3162300"/>
+            <a:ext cx="16383000" cy="2862322"/>
           </a:xfrm>
           <a:prstGeom prst="rect">
             <a:avLst/>
@@ -5893,32 +6031,14 @@
           </a:bodyPr>
           <a:lstStyle/>
           <a:p>
-            <a:pPr marL="914400" indent="-914400">
-              <a:buFont typeface="+mj-lt"/>
-              <a:buAutoNum type="arabicPeriod"/>
-            </a:pPr>
             <a:r>
               <a:rPr lang="ko-KR" altLang="en-US" sz="4500" b="1" dirty="0">
                 <a:latin typeface="KoPubWorld돋움체 Bold" panose="00000800000000000000" pitchFamily="2" charset="-127"/>
                 <a:ea typeface="KoPubWorld돋움체 Bold" panose="00000800000000000000" pitchFamily="2" charset="-127"/>
                 <a:cs typeface="KoPubWorld돋움체 Bold" panose="00000800000000000000" pitchFamily="2" charset="-127"/>
               </a:rPr>
-              <a:t>여러 능력치를 구현해야 한다</a:t>
-            </a:r>
-            <a:r>
-              <a:rPr lang="en-US" altLang="ko-KR" sz="4500" b="1" dirty="0">
-                <a:latin typeface="KoPubWorld돋움체 Bold" panose="00000800000000000000" pitchFamily="2" charset="-127"/>
-                <a:ea typeface="KoPubWorld돋움체 Bold" panose="00000800000000000000" pitchFamily="2" charset="-127"/>
-                <a:cs typeface="KoPubWorld돋움체 Bold" panose="00000800000000000000" pitchFamily="2" charset="-127"/>
-              </a:rPr>
-              <a:t>.</a:t>
-            </a:r>
-          </a:p>
-          <a:p>
-            <a:pPr marL="914400" indent="-914400">
-              <a:buFont typeface="+mj-lt"/>
-              <a:buAutoNum type="arabicPeriod"/>
-            </a:pPr>
+              <a:t>도시생활에 지쳐 귀농을 한 주인공은 </a:t>
+            </a:r>
             <a:endParaRPr lang="en-US" altLang="ko-KR" sz="4500" b="1" dirty="0">
               <a:latin typeface="KoPubWorld돋움체 Bold" panose="00000800000000000000" pitchFamily="2" charset="-127"/>
               <a:ea typeface="KoPubWorld돋움체 Bold" panose="00000800000000000000" pitchFamily="2" charset="-127"/>
@@ -5926,17 +6046,13 @@
             </a:endParaRPr>
           </a:p>
           <a:p>
-            <a:pPr marL="914400" indent="-914400">
-              <a:buFont typeface="+mj-lt"/>
-              <a:buAutoNum type="arabicPeriod"/>
-            </a:pPr>
             <a:r>
               <a:rPr lang="ko-KR" altLang="en-US" sz="4500" b="1" dirty="0">
                 <a:latin typeface="KoPubWorld돋움체 Bold" panose="00000800000000000000" pitchFamily="2" charset="-127"/>
                 <a:ea typeface="KoPubWorld돋움체 Bold" panose="00000800000000000000" pitchFamily="2" charset="-127"/>
                 <a:cs typeface="KoPubWorld돋움체 Bold" panose="00000800000000000000" pitchFamily="2" charset="-127"/>
               </a:rPr>
-              <a:t>어떤 미니게임을 넣을지 고려하여야 한다</a:t>
+              <a:t>귀농 과정에서 돈을 구하던 중 사채업자들에게서 돈을 빌리게 되다</a:t>
             </a:r>
             <a:r>
               <a:rPr lang="en-US" altLang="ko-KR" sz="4500" b="1" dirty="0">
@@ -5946,30 +6062,13 @@
               </a:rPr>
               <a:t>.</a:t>
             </a:r>
-          </a:p>
-          <a:p>
-            <a:pPr marL="914400" indent="-914400">
-              <a:buFont typeface="+mj-lt"/>
-              <a:buAutoNum type="arabicPeriod"/>
-            </a:pPr>
-            <a:endParaRPr lang="en-US" altLang="ko-KR" sz="4500" b="1" dirty="0">
-              <a:latin typeface="KoPubWorld돋움체 Bold" panose="00000800000000000000" pitchFamily="2" charset="-127"/>
-              <a:ea typeface="KoPubWorld돋움체 Bold" panose="00000800000000000000" pitchFamily="2" charset="-127"/>
-              <a:cs typeface="KoPubWorld돋움체 Bold" panose="00000800000000000000" pitchFamily="2" charset="-127"/>
-            </a:endParaRPr>
-          </a:p>
-          <a:p>
-            <a:pPr marL="914400" indent="-914400">
-              <a:buFont typeface="+mj-lt"/>
-              <a:buAutoNum type="arabicPeriod"/>
-            </a:pPr>
             <a:r>
               <a:rPr lang="ko-KR" altLang="en-US" sz="4500" b="1" dirty="0">
                 <a:latin typeface="KoPubWorld돋움체 Bold" panose="00000800000000000000" pitchFamily="2" charset="-127"/>
                 <a:ea typeface="KoPubWorld돋움체 Bold" panose="00000800000000000000" pitchFamily="2" charset="-127"/>
                 <a:cs typeface="KoPubWorld돋움체 Bold" panose="00000800000000000000" pitchFamily="2" charset="-127"/>
               </a:rPr>
-              <a:t>화면의 가운데에 올 플레이어 캐릭터의 이미지를 구해야 한다</a:t>
+              <a:t> 기한인 </a:t>
             </a:r>
             <a:r>
               <a:rPr lang="en-US" altLang="ko-KR" sz="4500" b="1" dirty="0">
@@ -5977,32 +6076,15 @@
                 <a:ea typeface="KoPubWorld돋움체 Bold" panose="00000800000000000000" pitchFamily="2" charset="-127"/>
                 <a:cs typeface="KoPubWorld돋움체 Bold" panose="00000800000000000000" pitchFamily="2" charset="-127"/>
               </a:rPr>
-              <a:t>.</a:t>
-            </a:r>
-          </a:p>
-          <a:p>
-            <a:pPr marL="914400" indent="-914400">
-              <a:buFont typeface="+mj-lt"/>
-              <a:buAutoNum type="arabicPeriod"/>
-            </a:pPr>
-            <a:endParaRPr lang="en-US" altLang="ko-KR" sz="4500" b="1" dirty="0">
-              <a:latin typeface="KoPubWorld돋움체 Bold" panose="00000800000000000000" pitchFamily="2" charset="-127"/>
-              <a:ea typeface="KoPubWorld돋움체 Bold" panose="00000800000000000000" pitchFamily="2" charset="-127"/>
-              <a:cs typeface="KoPubWorld돋움체 Bold" panose="00000800000000000000" pitchFamily="2" charset="-127"/>
-            </a:endParaRPr>
-          </a:p>
-          <a:p>
-            <a:pPr marL="914400" indent="-914400">
-              <a:buFont typeface="+mj-lt"/>
-              <a:buAutoNum type="arabicPeriod"/>
-            </a:pPr>
+              <a:t>98</a:t>
+            </a:r>
             <a:r>
               <a:rPr lang="ko-KR" altLang="en-US" sz="4500" b="1" dirty="0">
                 <a:latin typeface="KoPubWorld돋움체 Bold" panose="00000800000000000000" pitchFamily="2" charset="-127"/>
                 <a:ea typeface="KoPubWorld돋움체 Bold" panose="00000800000000000000" pitchFamily="2" charset="-127"/>
                 <a:cs typeface="KoPubWorld돋움체 Bold" panose="00000800000000000000" pitchFamily="2" charset="-127"/>
               </a:rPr>
-              <a:t>부족한 그래픽을 향상시킬 방법을 찾아야 한다</a:t>
+              <a:t>일 안에 갚지 않으면 몸으로 갚아야 한다는 말을 듣고</a:t>
             </a:r>
             <a:r>
               <a:rPr lang="en-US" altLang="ko-KR" sz="4500" b="1" dirty="0">
@@ -6010,48 +6092,15 @@
                 <a:ea typeface="KoPubWorld돋움체 Bold" panose="00000800000000000000" pitchFamily="2" charset="-127"/>
                 <a:cs typeface="KoPubWorld돋움체 Bold" panose="00000800000000000000" pitchFamily="2" charset="-127"/>
               </a:rPr>
-              <a:t>.</a:t>
-            </a:r>
-          </a:p>
-          <a:p>
-            <a:pPr marL="914400" indent="-914400">
-              <a:buFont typeface="+mj-lt"/>
-              <a:buAutoNum type="arabicPeriod"/>
-            </a:pPr>
-            <a:endParaRPr lang="en-US" altLang="ko-KR" sz="4500" b="1" dirty="0">
-              <a:latin typeface="KoPubWorld돋움체 Bold" panose="00000800000000000000" pitchFamily="2" charset="-127"/>
-              <a:ea typeface="KoPubWorld돋움체 Bold" panose="00000800000000000000" pitchFamily="2" charset="-127"/>
-              <a:cs typeface="KoPubWorld돋움체 Bold" panose="00000800000000000000" pitchFamily="2" charset="-127"/>
-            </a:endParaRPr>
-          </a:p>
-          <a:p>
-            <a:pPr marL="914400" indent="-914400">
-              <a:buFont typeface="+mj-lt"/>
-              <a:buAutoNum type="arabicPeriod"/>
-            </a:pPr>
+              <a:t> </a:t>
+            </a:r>
             <a:r>
               <a:rPr lang="ko-KR" altLang="en-US" sz="4500" b="1" dirty="0">
                 <a:latin typeface="KoPubWorld돋움체 Bold" panose="00000800000000000000" pitchFamily="2" charset="-127"/>
                 <a:ea typeface="KoPubWorld돋움체 Bold" panose="00000800000000000000" pitchFamily="2" charset="-127"/>
                 <a:cs typeface="KoPubWorld돋움체 Bold" panose="00000800000000000000" pitchFamily="2" charset="-127"/>
               </a:rPr>
-              <a:t>세이브</a:t>
-            </a:r>
-            <a:r>
-              <a:rPr lang="en-US" altLang="ko-KR" sz="4500" b="1" dirty="0">
-                <a:latin typeface="KoPubWorld돋움체 Bold" panose="00000800000000000000" pitchFamily="2" charset="-127"/>
-                <a:ea typeface="KoPubWorld돋움체 Bold" panose="00000800000000000000" pitchFamily="2" charset="-127"/>
-                <a:cs typeface="KoPubWorld돋움체 Bold" panose="00000800000000000000" pitchFamily="2" charset="-127"/>
-              </a:rPr>
-              <a:t>,</a:t>
-            </a:r>
-            <a:r>
-              <a:rPr lang="ko-KR" altLang="en-US" sz="4500" b="1" dirty="0">
-                <a:latin typeface="KoPubWorld돋움체 Bold" panose="00000800000000000000" pitchFamily="2" charset="-127"/>
-                <a:ea typeface="KoPubWorld돋움체 Bold" panose="00000800000000000000" pitchFamily="2" charset="-127"/>
-                <a:cs typeface="KoPubWorld돋움체 Bold" panose="00000800000000000000" pitchFamily="2" charset="-127"/>
-              </a:rPr>
-              <a:t> 로드 기능을 구현 해야 한다</a:t>
+              <a:t>주인공은 돈을 벌기 위해 노력하게 된다</a:t>
             </a:r>
             <a:r>
               <a:rPr lang="en-US" altLang="ko-KR" sz="4500" b="1" dirty="0">
@@ -6069,7 +6118,7 @@
           <p:cNvPr id="6" name="사각형: 둥근 모서리 5">
             <a:extLst>
               <a:ext uri="{FF2B5EF4-FFF2-40B4-BE49-F238E27FC236}">
-                <a16:creationId xmlns:a16="http://schemas.microsoft.com/office/drawing/2014/main" id="{E59697EE-A12B-43D3-8700-421586696FF4}"/>
+                <a16:creationId xmlns:a16="http://schemas.microsoft.com/office/drawing/2014/main" id="{7D7A2082-F157-4E56-8983-6DEF02886F4A}"/>
               </a:ext>
             </a:extLst>
           </p:cNvPr>
@@ -6123,7 +6172,7 @@
                 <a:ea typeface="KoPubWorld돋움체 Bold" panose="00000800000000000000" pitchFamily="2" charset="-127"/>
                 <a:cs typeface="KoPubWorld돋움체 Bold" panose="00000800000000000000" pitchFamily="2" charset="-127"/>
               </a:rPr>
-              <a:t>개발 시 고려사항</a:t>
+              <a:t>배경 이야기</a:t>
             </a:r>
           </a:p>
         </p:txBody>
@@ -6131,7 +6180,7 @@
     </p:spTree>
     <p:extLst>
       <p:ext uri="{BB962C8B-B14F-4D97-AF65-F5344CB8AC3E}">
-        <p14:creationId xmlns:p14="http://schemas.microsoft.com/office/powerpoint/2010/main" val="1731664823"/>
+        <p14:creationId xmlns:p14="http://schemas.microsoft.com/office/powerpoint/2010/main" val="3680029363"/>
       </p:ext>
     </p:extLst>
   </p:cSld>
@@ -6160,39 +6209,263 @@
       </p:grpSpPr>
       <p:sp>
         <p:nvSpPr>
-          <p:cNvPr id="2" name="제목 1">
+          <p:cNvPr id="4" name="TextBox 3">
             <a:extLst>
               <a:ext uri="{FF2B5EF4-FFF2-40B4-BE49-F238E27FC236}">
-                <a16:creationId xmlns:a16="http://schemas.microsoft.com/office/drawing/2014/main" id="{1D2DE4D6-9CD4-458C-A989-A47BF6EE2681}"/>
+                <a16:creationId xmlns:a16="http://schemas.microsoft.com/office/drawing/2014/main" id="{6B3192BF-6D7B-470F-AEDD-B4D3002F2261}"/>
               </a:ext>
             </a:extLst>
           </p:cNvPr>
-          <p:cNvSpPr>
-            <a:spLocks noGrp="1"/>
-          </p:cNvSpPr>
-          <p:nvPr>
-            <p:ph type="ctrTitle"/>
-          </p:nvPr>
+          <p:cNvSpPr txBox="1"/>
+          <p:nvPr/>
         </p:nvSpPr>
         <p:spPr>
           <a:xfrm>
-            <a:off x="4419600" y="2857500"/>
-            <a:ext cx="9448800" cy="3317875"/>
+            <a:off x="647700" y="1981096"/>
+            <a:ext cx="16992600" cy="6324808"/>
           </a:xfrm>
+          <a:prstGeom prst="rect">
+            <a:avLst/>
+          </a:prstGeom>
+          <a:noFill/>
         </p:spPr>
         <p:txBody>
-          <a:bodyPr>
-            <a:normAutofit/>
+          <a:bodyPr wrap="square" rtlCol="0">
+            <a:spAutoFit/>
           </a:bodyPr>
           <a:lstStyle/>
           <a:p>
-            <a:r>
-              <a:rPr lang="ko-KR" altLang="en-US" sz="12000" b="1" dirty="0">
-                <a:latin typeface="KoPubWorld돋움체 Bold" panose="00000800000000000000" pitchFamily="2" charset="-127"/>
-                <a:ea typeface="KoPubWorld돋움체 Bold" panose="00000800000000000000" pitchFamily="2" charset="-127"/>
-                <a:cs typeface="KoPubWorld돋움체 Bold" panose="00000800000000000000" pitchFamily="2" charset="-127"/>
-              </a:rPr>
-              <a:t>질의응답</a:t>
+            <a:pPr marL="914400" indent="-914400">
+              <a:buFont typeface="+mj-lt"/>
+              <a:buAutoNum type="arabicPeriod"/>
+            </a:pPr>
+            <a:r>
+              <a:rPr lang="ko-KR" altLang="en-US" sz="4500" b="1" dirty="0">
+                <a:latin typeface="KoPubWorld돋움체 Bold" panose="00000800000000000000" pitchFamily="2" charset="-127"/>
+                <a:ea typeface="KoPubWorld돋움체 Bold" panose="00000800000000000000" pitchFamily="2" charset="-127"/>
+                <a:cs typeface="KoPubWorld돋움체 Bold" panose="00000800000000000000" pitchFamily="2" charset="-127"/>
+              </a:rPr>
+              <a:t>여러 능력치를 구현해야 한다</a:t>
+            </a:r>
+            <a:r>
+              <a:rPr lang="en-US" altLang="ko-KR" sz="4500" b="1" dirty="0">
+                <a:latin typeface="KoPubWorld돋움체 Bold" panose="00000800000000000000" pitchFamily="2" charset="-127"/>
+                <a:ea typeface="KoPubWorld돋움체 Bold" panose="00000800000000000000" pitchFamily="2" charset="-127"/>
+                <a:cs typeface="KoPubWorld돋움체 Bold" panose="00000800000000000000" pitchFamily="2" charset="-127"/>
+              </a:rPr>
+              <a:t>.</a:t>
+            </a:r>
+          </a:p>
+          <a:p>
+            <a:pPr marL="914400" indent="-914400">
+              <a:buFont typeface="+mj-lt"/>
+              <a:buAutoNum type="arabicPeriod"/>
+            </a:pPr>
+            <a:endParaRPr lang="en-US" altLang="ko-KR" sz="4500" b="1" dirty="0">
+              <a:latin typeface="KoPubWorld돋움체 Bold" panose="00000800000000000000" pitchFamily="2" charset="-127"/>
+              <a:ea typeface="KoPubWorld돋움체 Bold" panose="00000800000000000000" pitchFamily="2" charset="-127"/>
+              <a:cs typeface="KoPubWorld돋움체 Bold" panose="00000800000000000000" pitchFamily="2" charset="-127"/>
+            </a:endParaRPr>
+          </a:p>
+          <a:p>
+            <a:pPr marL="914400" indent="-914400">
+              <a:buFont typeface="+mj-lt"/>
+              <a:buAutoNum type="arabicPeriod"/>
+            </a:pPr>
+            <a:r>
+              <a:rPr lang="ko-KR" altLang="en-US" sz="4500" b="1" dirty="0">
+                <a:latin typeface="KoPubWorld돋움체 Bold" panose="00000800000000000000" pitchFamily="2" charset="-127"/>
+                <a:ea typeface="KoPubWorld돋움체 Bold" panose="00000800000000000000" pitchFamily="2" charset="-127"/>
+                <a:cs typeface="KoPubWorld돋움체 Bold" panose="00000800000000000000" pitchFamily="2" charset="-127"/>
+              </a:rPr>
+              <a:t>어떤 미니게임을 넣을지 고려하여야 한다</a:t>
+            </a:r>
+            <a:r>
+              <a:rPr lang="en-US" altLang="ko-KR" sz="4500" b="1" dirty="0">
+                <a:latin typeface="KoPubWorld돋움체 Bold" panose="00000800000000000000" pitchFamily="2" charset="-127"/>
+                <a:ea typeface="KoPubWorld돋움체 Bold" panose="00000800000000000000" pitchFamily="2" charset="-127"/>
+                <a:cs typeface="KoPubWorld돋움체 Bold" panose="00000800000000000000" pitchFamily="2" charset="-127"/>
+              </a:rPr>
+              <a:t>.</a:t>
+            </a:r>
+          </a:p>
+          <a:p>
+            <a:pPr marL="914400" indent="-914400">
+              <a:buFont typeface="+mj-lt"/>
+              <a:buAutoNum type="arabicPeriod"/>
+            </a:pPr>
+            <a:endParaRPr lang="en-US" altLang="ko-KR" sz="4500" b="1" dirty="0">
+              <a:latin typeface="KoPubWorld돋움체 Bold" panose="00000800000000000000" pitchFamily="2" charset="-127"/>
+              <a:ea typeface="KoPubWorld돋움체 Bold" panose="00000800000000000000" pitchFamily="2" charset="-127"/>
+              <a:cs typeface="KoPubWorld돋움체 Bold" panose="00000800000000000000" pitchFamily="2" charset="-127"/>
+            </a:endParaRPr>
+          </a:p>
+          <a:p>
+            <a:pPr marL="914400" indent="-914400">
+              <a:buFont typeface="+mj-lt"/>
+              <a:buAutoNum type="arabicPeriod"/>
+            </a:pPr>
+            <a:r>
+              <a:rPr lang="ko-KR" altLang="en-US" sz="4500" b="1" dirty="0">
+                <a:latin typeface="KoPubWorld돋움체 Bold" panose="00000800000000000000" pitchFamily="2" charset="-127"/>
+                <a:ea typeface="KoPubWorld돋움체 Bold" panose="00000800000000000000" pitchFamily="2" charset="-127"/>
+                <a:cs typeface="KoPubWorld돋움체 Bold" panose="00000800000000000000" pitchFamily="2" charset="-127"/>
+              </a:rPr>
+              <a:t>화면의 가운데에 올 플레이어 캐릭터의 이미지를 구해야 한다</a:t>
+            </a:r>
+            <a:r>
+              <a:rPr lang="en-US" altLang="ko-KR" sz="4500" b="1" dirty="0">
+                <a:latin typeface="KoPubWorld돋움체 Bold" panose="00000800000000000000" pitchFamily="2" charset="-127"/>
+                <a:ea typeface="KoPubWorld돋움체 Bold" panose="00000800000000000000" pitchFamily="2" charset="-127"/>
+                <a:cs typeface="KoPubWorld돋움체 Bold" panose="00000800000000000000" pitchFamily="2" charset="-127"/>
+              </a:rPr>
+              <a:t>.</a:t>
+            </a:r>
+          </a:p>
+          <a:p>
+            <a:pPr marL="914400" indent="-914400">
+              <a:buFont typeface="+mj-lt"/>
+              <a:buAutoNum type="arabicPeriod"/>
+            </a:pPr>
+            <a:endParaRPr lang="en-US" altLang="ko-KR" sz="4500" b="1" dirty="0">
+              <a:latin typeface="KoPubWorld돋움체 Bold" panose="00000800000000000000" pitchFamily="2" charset="-127"/>
+              <a:ea typeface="KoPubWorld돋움체 Bold" panose="00000800000000000000" pitchFamily="2" charset="-127"/>
+              <a:cs typeface="KoPubWorld돋움체 Bold" panose="00000800000000000000" pitchFamily="2" charset="-127"/>
+            </a:endParaRPr>
+          </a:p>
+          <a:p>
+            <a:pPr marL="914400" indent="-914400">
+              <a:buFont typeface="+mj-lt"/>
+              <a:buAutoNum type="arabicPeriod"/>
+            </a:pPr>
+            <a:r>
+              <a:rPr lang="ko-KR" altLang="en-US" sz="4500" b="1" dirty="0">
+                <a:latin typeface="KoPubWorld돋움체 Bold" panose="00000800000000000000" pitchFamily="2" charset="-127"/>
+                <a:ea typeface="KoPubWorld돋움체 Bold" panose="00000800000000000000" pitchFamily="2" charset="-127"/>
+                <a:cs typeface="KoPubWorld돋움체 Bold" panose="00000800000000000000" pitchFamily="2" charset="-127"/>
+              </a:rPr>
+              <a:t>부족한 그래픽을 향상시킬 방법을 찾아야 한다</a:t>
+            </a:r>
+            <a:r>
+              <a:rPr lang="en-US" altLang="ko-KR" sz="4500" b="1" dirty="0">
+                <a:latin typeface="KoPubWorld돋움체 Bold" panose="00000800000000000000" pitchFamily="2" charset="-127"/>
+                <a:ea typeface="KoPubWorld돋움체 Bold" panose="00000800000000000000" pitchFamily="2" charset="-127"/>
+                <a:cs typeface="KoPubWorld돋움체 Bold" panose="00000800000000000000" pitchFamily="2" charset="-127"/>
+              </a:rPr>
+              <a:t>.</a:t>
+            </a:r>
+          </a:p>
+          <a:p>
+            <a:pPr marL="914400" indent="-914400">
+              <a:buFont typeface="+mj-lt"/>
+              <a:buAutoNum type="arabicPeriod"/>
+            </a:pPr>
+            <a:endParaRPr lang="en-US" altLang="ko-KR" sz="4500" b="1" dirty="0">
+              <a:latin typeface="KoPubWorld돋움체 Bold" panose="00000800000000000000" pitchFamily="2" charset="-127"/>
+              <a:ea typeface="KoPubWorld돋움체 Bold" panose="00000800000000000000" pitchFamily="2" charset="-127"/>
+              <a:cs typeface="KoPubWorld돋움체 Bold" panose="00000800000000000000" pitchFamily="2" charset="-127"/>
+            </a:endParaRPr>
+          </a:p>
+          <a:p>
+            <a:pPr marL="914400" indent="-914400">
+              <a:buFont typeface="+mj-lt"/>
+              <a:buAutoNum type="arabicPeriod"/>
+            </a:pPr>
+            <a:r>
+              <a:rPr lang="ko-KR" altLang="en-US" sz="4500" b="1" dirty="0">
+                <a:latin typeface="KoPubWorld돋움체 Bold" panose="00000800000000000000" pitchFamily="2" charset="-127"/>
+                <a:ea typeface="KoPubWorld돋움체 Bold" panose="00000800000000000000" pitchFamily="2" charset="-127"/>
+                <a:cs typeface="KoPubWorld돋움체 Bold" panose="00000800000000000000" pitchFamily="2" charset="-127"/>
+              </a:rPr>
+              <a:t>세이브</a:t>
+            </a:r>
+            <a:r>
+              <a:rPr lang="en-US" altLang="ko-KR" sz="4500" b="1" dirty="0">
+                <a:latin typeface="KoPubWorld돋움체 Bold" panose="00000800000000000000" pitchFamily="2" charset="-127"/>
+                <a:ea typeface="KoPubWorld돋움체 Bold" panose="00000800000000000000" pitchFamily="2" charset="-127"/>
+                <a:cs typeface="KoPubWorld돋움체 Bold" panose="00000800000000000000" pitchFamily="2" charset="-127"/>
+              </a:rPr>
+              <a:t>,</a:t>
+            </a:r>
+            <a:r>
+              <a:rPr lang="ko-KR" altLang="en-US" sz="4500" b="1" dirty="0">
+                <a:latin typeface="KoPubWorld돋움체 Bold" panose="00000800000000000000" pitchFamily="2" charset="-127"/>
+                <a:ea typeface="KoPubWorld돋움체 Bold" panose="00000800000000000000" pitchFamily="2" charset="-127"/>
+                <a:cs typeface="KoPubWorld돋움체 Bold" panose="00000800000000000000" pitchFamily="2" charset="-127"/>
+              </a:rPr>
+              <a:t> 로드 기능을 구현 해야 한다</a:t>
+            </a:r>
+            <a:r>
+              <a:rPr lang="en-US" altLang="ko-KR" sz="4500" b="1" dirty="0">
+                <a:latin typeface="KoPubWorld돋움체 Bold" panose="00000800000000000000" pitchFamily="2" charset="-127"/>
+                <a:ea typeface="KoPubWorld돋움체 Bold" panose="00000800000000000000" pitchFamily="2" charset="-127"/>
+                <a:cs typeface="KoPubWorld돋움체 Bold" panose="00000800000000000000" pitchFamily="2" charset="-127"/>
+              </a:rPr>
+              <a:t>.</a:t>
+            </a:r>
+          </a:p>
+        </p:txBody>
+      </p:sp>
+      <p:sp>
+        <p:nvSpPr>
+          <p:cNvPr id="6" name="사각형: 둥근 모서리 5">
+            <a:extLst>
+              <a:ext uri="{FF2B5EF4-FFF2-40B4-BE49-F238E27FC236}">
+                <a16:creationId xmlns:a16="http://schemas.microsoft.com/office/drawing/2014/main" id="{E59697EE-A12B-43D3-8700-421586696FF4}"/>
+              </a:ext>
+            </a:extLst>
+          </p:cNvPr>
+          <p:cNvSpPr/>
+          <p:nvPr/>
+        </p:nvSpPr>
+        <p:spPr>
+          <a:xfrm>
+            <a:off x="13868400" y="359229"/>
+            <a:ext cx="3962400" cy="762000"/>
+          </a:xfrm>
+          <a:prstGeom prst="roundRect">
+            <a:avLst/>
+          </a:prstGeom>
+          <a:solidFill>
+            <a:schemeClr val="bg1"/>
+          </a:solidFill>
+          <a:ln>
+            <a:solidFill>
+              <a:schemeClr val="tx1"/>
+            </a:solidFill>
+          </a:ln>
+        </p:spPr>
+        <p:style>
+          <a:lnRef idx="2">
+            <a:schemeClr val="accent1">
+              <a:shade val="50000"/>
+            </a:schemeClr>
+          </a:lnRef>
+          <a:fillRef idx="1">
+            <a:schemeClr val="accent1"/>
+          </a:fillRef>
+          <a:effectRef idx="0">
+            <a:schemeClr val="accent1"/>
+          </a:effectRef>
+          <a:fontRef idx="minor">
+            <a:schemeClr val="lt1"/>
+          </a:fontRef>
+        </p:style>
+        <p:txBody>
+          <a:bodyPr rtlCol="0" anchor="ctr"/>
+          <a:lstStyle/>
+          <a:p>
+            <a:pPr algn="ctr"/>
+            <a:r>
+              <a:rPr lang="ko-KR" altLang="en-US" sz="2500" dirty="0">
+                <a:solidFill>
+                  <a:schemeClr val="tx1"/>
+                </a:solidFill>
+                <a:latin typeface="KoPubWorld돋움체 Bold" panose="00000800000000000000" pitchFamily="2" charset="-127"/>
+                <a:ea typeface="KoPubWorld돋움체 Bold" panose="00000800000000000000" pitchFamily="2" charset="-127"/>
+                <a:cs typeface="KoPubWorld돋움체 Bold" panose="00000800000000000000" pitchFamily="2" charset="-127"/>
+              </a:rPr>
+              <a:t>개발 시 고려사항</a:t>
             </a:r>
           </a:p>
         </p:txBody>
@@ -6200,7 +6473,7 @@
     </p:spTree>
     <p:extLst>
       <p:ext uri="{BB962C8B-B14F-4D97-AF65-F5344CB8AC3E}">
-        <p14:creationId xmlns:p14="http://schemas.microsoft.com/office/powerpoint/2010/main" val="1586652120"/>
+        <p14:creationId xmlns:p14="http://schemas.microsoft.com/office/powerpoint/2010/main" val="1731664823"/>
       </p:ext>
     </p:extLst>
   </p:cSld>
@@ -6245,52 +6518,31 @@
         </p:nvSpPr>
         <p:spPr>
           <a:xfrm>
-            <a:off x="1143000" y="3408362"/>
-            <a:ext cx="16002000" cy="3470275"/>
+            <a:off x="4419600" y="2857500"/>
+            <a:ext cx="9448800" cy="3317875"/>
           </a:xfrm>
         </p:spPr>
         <p:txBody>
           <a:bodyPr>
-            <a:noAutofit/>
+            <a:normAutofit/>
           </a:bodyPr>
           <a:lstStyle/>
           <a:p>
             <a:r>
-              <a:rPr lang="ko-KR" altLang="en-US" sz="12000" b="1" dirty="0" err="1">
-                <a:latin typeface="KoPubWorld돋움체 Bold" panose="00000800000000000000" pitchFamily="2" charset="-127"/>
-                <a:ea typeface="KoPubWorld돋움체 Bold" panose="00000800000000000000" pitchFamily="2" charset="-127"/>
-                <a:cs typeface="KoPubWorld돋움체 Bold" panose="00000800000000000000" pitchFamily="2" charset="-127"/>
-              </a:rPr>
-              <a:t>들어주셔서</a:t>
-            </a:r>
-            <a:r>
               <a:rPr lang="ko-KR" altLang="en-US" sz="12000" b="1" dirty="0">
                 <a:latin typeface="KoPubWorld돋움체 Bold" panose="00000800000000000000" pitchFamily="2" charset="-127"/>
                 <a:ea typeface="KoPubWorld돋움체 Bold" panose="00000800000000000000" pitchFamily="2" charset="-127"/>
                 <a:cs typeface="KoPubWorld돋움체 Bold" panose="00000800000000000000" pitchFamily="2" charset="-127"/>
               </a:rPr>
-              <a:t> 감사합니다</a:t>
-            </a:r>
-            <a:r>
-              <a:rPr lang="en-US" altLang="ko-KR" sz="12000" b="1" dirty="0">
-                <a:latin typeface="KoPubWorld돋움체 Bold" panose="00000800000000000000" pitchFamily="2" charset="-127"/>
-                <a:ea typeface="KoPubWorld돋움체 Bold" panose="00000800000000000000" pitchFamily="2" charset="-127"/>
-                <a:cs typeface="KoPubWorld돋움체 Bold" panose="00000800000000000000" pitchFamily="2" charset="-127"/>
-              </a:rPr>
-              <a:t>.</a:t>
-            </a:r>
-            <a:endParaRPr lang="ko-KR" altLang="en-US" sz="12000" b="1" dirty="0">
-              <a:latin typeface="KoPubWorld돋움체 Bold" panose="00000800000000000000" pitchFamily="2" charset="-127"/>
-              <a:ea typeface="KoPubWorld돋움체 Bold" panose="00000800000000000000" pitchFamily="2" charset="-127"/>
-              <a:cs typeface="KoPubWorld돋움체 Bold" panose="00000800000000000000" pitchFamily="2" charset="-127"/>
-            </a:endParaRPr>
+              <a:t>질의응답</a:t>
+            </a:r>
           </a:p>
         </p:txBody>
       </p:sp>
     </p:spTree>
     <p:extLst>
       <p:ext uri="{BB962C8B-B14F-4D97-AF65-F5344CB8AC3E}">
-        <p14:creationId xmlns:p14="http://schemas.microsoft.com/office/powerpoint/2010/main" val="310330307"/>
+        <p14:creationId xmlns:p14="http://schemas.microsoft.com/office/powerpoint/2010/main" val="1586652120"/>
       </p:ext>
     </p:extLst>
   </p:cSld>

--- a/산학분반1팀_블랙 메사.pptx
+++ b/산학분반1팀_블랙 메사.pptx
@@ -5886,7 +5886,7 @@
                 <a:ea typeface="KoPubWorld돋움체 Bold" panose="00000800000000000000" pitchFamily="2" charset="-127"/>
                 <a:cs typeface="KoPubWorld돋움체 Bold" panose="00000800000000000000" pitchFamily="2" charset="-127"/>
               </a:rPr>
-              <a:t>능력치</a:t>
+              <a:t>행동</a:t>
             </a:r>
             <a:r>
               <a:rPr lang="en-US" altLang="ko-KR" sz="2500" dirty="0">
@@ -6172,7 +6172,7 @@
                 <a:ea typeface="KoPubWorld돋움체 Bold" panose="00000800000000000000" pitchFamily="2" charset="-127"/>
                 <a:cs typeface="KoPubWorld돋움체 Bold" panose="00000800000000000000" pitchFamily="2" charset="-127"/>
               </a:rPr>
-              <a:t>배경 이야기</a:t>
+              <a:t>배경 스토리</a:t>
             </a:r>
           </a:p>
         </p:txBody>
